--- a/Md_Tahidul_Islam.pptx
+++ b/Md_Tahidul_Islam.pptx
@@ -128,6 +128,7 @@
   <p1510:revLst>
     <p1510:client id="{03D42AFC-8E68-E447-FFAB-8F3D6EC0A2B0}" v="484" dt="2024-05-14T21:15:40.059"/>
     <p1510:client id="{0B6C3BA1-DA2C-312E-7D87-C263A7C8D4E1}" v="135" dt="2024-05-14T12:10:06.585"/>
+    <p1510:client id="{6C437A36-5060-9860-6FC1-007191188C84}" v="40" dt="2024-05-15T04:47:13.344"/>
     <p1510:client id="{85AC56BC-DAEE-B713-780E-D2CE7DC6EB71}" v="114" dt="2024-05-14T11:58:16.737"/>
     <p1510:client id="{8F974D27-08CD-4439-6CC8-1E52B0280BD3}" v="2042" dt="2024-05-14T18:30:35.090"/>
   </p1510:revLst>
@@ -285,7 +286,7 @@
           <a:p>
             <a:fld id="{77CA0979-F579-4E9B-A675-1F5ABBFF00DB}" type="datetimeFigureOut">
               <a:rPr lang="en-US" dirty="0"/>
-              <a:t>5/14/24</a:t>
+              <a:t>5/14/2024</a:t>
             </a:fld>
             <a:endParaRPr lang="en-US"/>
           </a:p>
@@ -513,7 +514,7 @@
           <a:p>
             <a:fld id="{F7E76D0F-5A12-4D0A-80B0-1A6122B61E7B}" type="datetimeFigureOut">
               <a:rPr lang="en-US" dirty="0"/>
-              <a:t>5/14/24</a:t>
+              <a:t>5/14/2024</a:t>
             </a:fld>
             <a:endParaRPr lang="en-US"/>
           </a:p>
@@ -725,7 +726,7 @@
           <a:p>
             <a:fld id="{8B9E8C84-89CA-44AB-B0BE-5C91BAF75478}" type="datetimeFigureOut">
               <a:rPr lang="en-US" dirty="0"/>
-              <a:t>5/14/24</a:t>
+              <a:t>5/14/2024</a:t>
             </a:fld>
             <a:endParaRPr lang="en-US"/>
           </a:p>
@@ -927,7 +928,7 @@
           <a:p>
             <a:fld id="{73E7156E-175E-4DBA-9D21-B772C320F342}" type="datetimeFigureOut">
               <a:rPr lang="en-US" dirty="0"/>
-              <a:t>5/14/24</a:t>
+              <a:t>5/14/2024</a:t>
             </a:fld>
             <a:endParaRPr lang="en-US"/>
           </a:p>
@@ -1208,7 +1209,7 @@
           <a:p>
             <a:fld id="{04895F6E-3D02-4292-95D1-C62B3126321B}" type="datetimeFigureOut">
               <a:rPr lang="en-US" dirty="0"/>
-              <a:t>5/14/24</a:t>
+              <a:t>5/14/2024</a:t>
             </a:fld>
             <a:endParaRPr lang="en-US"/>
           </a:p>
@@ -1482,7 +1483,7 @@
           <a:p>
             <a:fld id="{EDCB5ACB-D10C-44A8-9570-124370F4CB38}" type="datetimeFigureOut">
               <a:rPr lang="en-US" dirty="0"/>
-              <a:t>5/14/24</a:t>
+              <a:t>5/14/2024</a:t>
             </a:fld>
             <a:endParaRPr lang="en-US"/>
           </a:p>
@@ -1908,7 +1909,7 @@
           <a:p>
             <a:fld id="{AB8D84F4-0E7A-4BDE-98C6-AE68FB974645}" type="datetimeFigureOut">
               <a:rPr lang="en-US" dirty="0"/>
-              <a:t>5/14/24</a:t>
+              <a:t>5/14/2024</a:t>
             </a:fld>
             <a:endParaRPr lang="en-US"/>
           </a:p>
@@ -2053,7 +2054,7 @@
           <a:p>
             <a:fld id="{CBEFF1D8-9801-4C4B-92F3-66C9A863BD74}" type="datetimeFigureOut">
               <a:rPr lang="en-US" dirty="0"/>
-              <a:t>5/14/24</a:t>
+              <a:t>5/14/2024</a:t>
             </a:fld>
             <a:endParaRPr lang="en-US"/>
           </a:p>
@@ -2170,7 +2171,7 @@
           <a:p>
             <a:fld id="{961FE8FD-B23E-4E1A-83EF-0847EBEA0105}" type="datetimeFigureOut">
               <a:rPr lang="en-US" dirty="0"/>
-              <a:t>5/14/24</a:t>
+              <a:t>5/14/2024</a:t>
             </a:fld>
             <a:endParaRPr lang="en-US"/>
           </a:p>
@@ -2491,7 +2492,7 @@
           <a:p>
             <a:fld id="{8DDF891E-A7C2-465C-AD39-8EDCB0F58E3C}" type="datetimeFigureOut">
               <a:rPr lang="en-US" dirty="0"/>
-              <a:t>5/14/24</a:t>
+              <a:t>5/14/2024</a:t>
             </a:fld>
             <a:endParaRPr lang="en-US"/>
           </a:p>
@@ -2785,7 +2786,7 @@
           <a:p>
             <a:fld id="{F39F93E5-AFB6-485C-8E3C-32F92A07875F}" type="datetimeFigureOut">
               <a:rPr lang="en-US" dirty="0"/>
-              <a:t>5/14/24</a:t>
+              <a:t>5/14/2024</a:t>
             </a:fld>
             <a:endParaRPr lang="en-US"/>
           </a:p>
@@ -3028,7 +3029,7 @@
           <a:p>
             <a:fld id="{3A332BE1-279E-4118-9FE3-7952B079A510}" type="datetimeFigureOut">
               <a:rPr lang="en-US" dirty="0"/>
-              <a:t>5/14/24</a:t>
+              <a:t>5/14/2024</a:t>
             </a:fld>
             <a:endParaRPr lang="en-US"/>
           </a:p>
@@ -3488,7 +3489,7 @@
             <a:prstTxWarp prst="textNoShape">
               <a:avLst/>
             </a:prstTxWarp>
-            <a:normAutofit lnSpcReduction="10000"/>
+            <a:normAutofit/>
           </a:bodyPr>
           <a:lstStyle/>
           <a:p>
@@ -3504,7 +3505,7 @@
               </a:spcAft>
             </a:pPr>
             <a:r>
-              <a:rPr lang="en-US" sz="4000" b="1" kern="1200" dirty="0">
+              <a:rPr lang="en-US" sz="3600" b="1" kern="1200">
                 <a:latin typeface="+mj-lt"/>
                 <a:ea typeface="+mj-ea"/>
                 <a:cs typeface="+mj-cs"/>
@@ -3536,8 +3537,8 @@
         </p:blipFill>
         <p:spPr>
           <a:xfrm>
-            <a:off x="2775098" y="1900250"/>
-            <a:ext cx="6605408" cy="4409110"/>
+            <a:off x="2498367" y="1715532"/>
+            <a:ext cx="6882139" cy="4593828"/>
           </a:xfrm>
           <a:prstGeom prst="rect">
             <a:avLst/>
@@ -3585,7 +3586,7 @@
                   <a:spcPts val="600"/>
                 </a:spcAft>
               </a:pPr>
-              <a:t>5/14/24</a:t>
+              <a:t>5/14/2024</a:t>
             </a:fld>
             <a:endParaRPr lang="en-US"/>
           </a:p>
@@ -3737,8 +3738,7 @@
           <a:lstStyle/>
           <a:p>
             <a:fld id="{04FE4C27-7F41-4D37-A935-BBD6B8690A8A}" type="datetime1">
-              <a:rPr lang="en-US"/>
-              <a:t>5/14/24</a:t>
+              <a:t>5/14/2024</a:t>
             </a:fld>
             <a:endParaRPr lang="en-US"/>
           </a:p>
@@ -3787,8 +3787,8 @@
         </p:nvSpPr>
         <p:spPr>
           <a:xfrm>
-            <a:off x="2857500" y="441158"/>
-            <a:ext cx="8041104" cy="584775"/>
+            <a:off x="2165685" y="441158"/>
+            <a:ext cx="8732919" cy="584775"/>
           </a:xfrm>
           <a:prstGeom prst="rect">
             <a:avLst/>
@@ -3805,7 +3805,7 @@
           <a:lstStyle/>
           <a:p>
             <a:r>
-              <a:rPr lang="en-US" sz="3200" b="1">
+              <a:rPr lang="en-US" sz="3200" b="1" dirty="0">
                 <a:solidFill>
                   <a:srgbClr val="D71920"/>
                 </a:solidFill>
@@ -3814,7 +3814,7 @@
               </a:rPr>
               <a:t>Model Selection and Parameter Tuning</a:t>
             </a:r>
-            <a:endParaRPr lang="en-US"/>
+            <a:endParaRPr lang="en-US" dirty="0"/>
           </a:p>
         </p:txBody>
       </p:sp>
@@ -3833,7 +3833,7 @@
           <p:nvPr>
             <p:extLst>
               <p:ext uri="{D42A27DB-BD31-4B8C-83A1-F6EECF244321}">
-                <p14:modId xmlns:p14="http://schemas.microsoft.com/office/powerpoint/2010/main" val="490843931"/>
+                <p14:modId xmlns:p14="http://schemas.microsoft.com/office/powerpoint/2010/main" val="1430830900"/>
               </p:ext>
             </p:extLst>
           </p:nvPr>
@@ -4129,6 +4129,31 @@
                           <a:cs typeface="Arial"/>
                         </a:rPr>
                         <a:t>Parameter tunning</a:t>
+                      </a:r>
+                    </a:p>
+                    <a:p>
+                      <a:pPr marL="0" marR="0" lvl="0" indent="0" algn="l">
+                        <a:lnSpc>
+                          <a:spcPct val="90000"/>
+                        </a:lnSpc>
+                        <a:spcBef>
+                          <a:spcPts val="1000"/>
+                        </a:spcBef>
+                        <a:spcAft>
+                          <a:spcPts val="0"/>
+                        </a:spcAft>
+                        <a:buNone/>
+                      </a:pPr>
+                      <a:r>
+                        <a:rPr lang="en-US" sz="1900" b="0" i="0" u="none" strike="noStrike" dirty="0">
+                          <a:solidFill>
+                            <a:srgbClr val="000000"/>
+                          </a:solidFill>
+                          <a:effectLst/>
+                          <a:latin typeface="Arial"/>
+                          <a:cs typeface="Arial"/>
+                        </a:rPr>
+                        <a:t>(Best tunning )</a:t>
                       </a:r>
                     </a:p>
                   </a:txBody>
@@ -5618,8 +5643,7 @@
           <a:lstStyle/>
           <a:p>
             <a:fld id="{04FE4C27-7F41-4D37-A935-BBD6B8690A8A}" type="datetime1">
-              <a:rPr lang="en-US"/>
-              <a:t>5/14/24</a:t>
+              <a:t>5/14/2024</a:t>
             </a:fld>
             <a:endParaRPr lang="en-US"/>
           </a:p>
@@ -5898,8 +5922,7 @@
           <a:lstStyle/>
           <a:p>
             <a:fld id="{04FE4C27-7F41-4D37-A935-BBD6B8690A8A}" type="datetime1">
-              <a:rPr lang="en-US"/>
-              <a:t>5/14/24</a:t>
+              <a:t>5/14/2024</a:t>
             </a:fld>
             <a:endParaRPr lang="en-US"/>
           </a:p>
@@ -6090,8 +6113,7 @@
           <a:lstStyle/>
           <a:p>
             <a:fld id="{04FE4C27-7F41-4D37-A935-BBD6B8690A8A}" type="datetime1">
-              <a:rPr lang="en-US"/>
-              <a:t>5/14/24</a:t>
+              <a:t>5/14/2024</a:t>
             </a:fld>
             <a:endParaRPr lang="en-US"/>
           </a:p>
@@ -6169,8 +6191,8 @@
         </p:nvSpPr>
         <p:spPr>
           <a:xfrm>
-            <a:off x="3862804" y="512289"/>
-            <a:ext cx="5013717" cy="584775"/>
+            <a:off x="4491790" y="461208"/>
+            <a:ext cx="4551946" cy="584775"/>
           </a:xfrm>
           <a:prstGeom prst="rect">
             <a:avLst/>
@@ -6522,8 +6544,7 @@
           <a:lstStyle/>
           <a:p>
             <a:fld id="{04FE4C27-7F41-4D37-A935-BBD6B8690A8A}" type="datetime1">
-              <a:rPr lang="en-US"/>
-              <a:t>5/14/24</a:t>
+              <a:t>5/14/2024</a:t>
             </a:fld>
             <a:endParaRPr lang="en-US"/>
           </a:p>
@@ -6601,8 +6622,8 @@
         </p:nvSpPr>
         <p:spPr>
           <a:xfrm>
-            <a:off x="2923954" y="481261"/>
-            <a:ext cx="6762306" cy="584775"/>
+            <a:off x="3439024" y="481261"/>
+            <a:ext cx="6096001" cy="523220"/>
           </a:xfrm>
           <a:prstGeom prst="rect">
             <a:avLst/>
@@ -6619,20 +6640,16 @@
           <a:lstStyle/>
           <a:p>
             <a:r>
-              <a:rPr lang="en-US" sz="3200" dirty="0">
+              <a:rPr lang="en-US" sz="2800">
                 <a:solidFill>
-                  <a:srgbClr val="FF0000"/>
+                  <a:srgbClr val="0D0D0D"/>
                 </a:solidFill>
                 <a:ea typeface="+mn-lt"/>
                 <a:cs typeface="+mn-lt"/>
               </a:rPr>
               <a:t>Description of Dataset Variables</a:t>
             </a:r>
-            <a:endParaRPr lang="en-US" sz="3200" dirty="0">
-              <a:solidFill>
-                <a:srgbClr val="FF0000"/>
-              </a:solidFill>
-            </a:endParaRPr>
+            <a:endParaRPr lang="en-US" sz="2800"/>
           </a:p>
         </p:txBody>
       </p:sp>
@@ -6741,7 +6758,7 @@
         </p:nvSpPr>
         <p:spPr>
           <a:xfrm>
-            <a:off x="4928983" y="1635511"/>
+            <a:off x="4822658" y="1092868"/>
             <a:ext cx="3318710" cy="276999"/>
           </a:xfrm>
           <a:prstGeom prst="rect">
@@ -6759,22 +6776,16 @@
           <a:lstStyle/>
           <a:p>
             <a:r>
-              <a:rPr lang="en-US" sz="1200" dirty="0">
+              <a:rPr lang="en-US" sz="1200">
                 <a:solidFill>
                   <a:srgbClr val="0D0D0D"/>
                 </a:solidFill>
-                <a:highlight>
-                  <a:srgbClr val="FFFF00"/>
-                </a:highlight>
                 <a:ea typeface="+mn-lt"/>
                 <a:cs typeface="+mn-lt"/>
               </a:rPr>
               <a:t>Understanding Key Attributes</a:t>
             </a:r>
-            <a:endParaRPr lang="en-US" dirty="0">
-              <a:highlight>
-                <a:srgbClr val="FFFF00"/>
-              </a:highlight>
+            <a:endParaRPr lang="en-US">
               <a:ea typeface="+mn-lt"/>
               <a:cs typeface="+mn-lt"/>
             </a:endParaRPr>
@@ -7376,8 +7387,7 @@
           <a:lstStyle/>
           <a:p>
             <a:fld id="{04FE4C27-7F41-4D37-A935-BBD6B8690A8A}" type="datetime1">
-              <a:rPr lang="en-US"/>
-              <a:t>5/14/24</a:t>
+              <a:t>5/14/2024</a:t>
             </a:fld>
             <a:endParaRPr lang="en-US"/>
           </a:p>
@@ -7434,7 +7444,7 @@
         </p:blipFill>
         <p:spPr>
           <a:xfrm>
-            <a:off x="137160" y="1856175"/>
+            <a:off x="140368" y="1090631"/>
             <a:ext cx="6096000" cy="3764855"/>
           </a:xfrm>
           <a:prstGeom prst="rect">
@@ -7509,7 +7519,7 @@
         </p:blipFill>
         <p:spPr>
           <a:xfrm>
-            <a:off x="6580093" y="1856175"/>
+            <a:off x="6356809" y="1088529"/>
             <a:ext cx="5703455" cy="3740727"/>
           </a:xfrm>
           <a:prstGeom prst="rect">
@@ -7569,8 +7579,7 @@
           <a:lstStyle/>
           <a:p>
             <a:fld id="{04FE4C27-7F41-4D37-A935-BBD6B8690A8A}" type="datetime1">
-              <a:rPr lang="en-US"/>
-              <a:t>5/14/24</a:t>
+              <a:t>5/14/2024</a:t>
             </a:fld>
             <a:endParaRPr lang="en-US"/>
           </a:p>
@@ -7672,8 +7681,8 @@
         </p:blipFill>
         <p:spPr>
           <a:xfrm>
-            <a:off x="2057485" y="1085137"/>
-            <a:ext cx="8716871" cy="5443253"/>
+            <a:off x="2426624" y="1535993"/>
+            <a:ext cx="7342321" cy="4584915"/>
           </a:xfrm>
           <a:prstGeom prst="rect">
             <a:avLst/>
@@ -7732,8 +7741,7 @@
           <a:lstStyle/>
           <a:p>
             <a:fld id="{04FE4C27-7F41-4D37-A935-BBD6B8690A8A}" type="datetime1">
-              <a:rPr lang="en-US"/>
-              <a:t>5/14/24</a:t>
+              <a:t>5/14/2024</a:t>
             </a:fld>
             <a:endParaRPr lang="en-US"/>
           </a:p>
@@ -8275,8 +8283,7 @@
           <a:lstStyle/>
           <a:p>
             <a:fld id="{04FE4C27-7F41-4D37-A935-BBD6B8690A8A}" type="datetime1">
-              <a:rPr lang="en-US"/>
-              <a:t>5/14/24</a:t>
+              <a:t>5/14/2024</a:t>
             </a:fld>
             <a:endParaRPr lang="en-US"/>
           </a:p>
@@ -8567,8 +8574,7 @@
           <a:lstStyle/>
           <a:p>
             <a:fld id="{04FE4C27-7F41-4D37-A935-BBD6B8690A8A}" type="datetime1">
-              <a:rPr lang="en-US"/>
-              <a:t>5/14/24</a:t>
+              <a:t>5/14/2024</a:t>
             </a:fld>
             <a:endParaRPr lang="en-US"/>
           </a:p>
@@ -8730,8 +8736,7 @@
           <a:lstStyle/>
           <a:p>
             <a:fld id="{04FE4C27-7F41-4D37-A935-BBD6B8690A8A}" type="datetime1">
-              <a:rPr lang="en-US"/>
-              <a:t>5/14/24</a:t>
+              <a:t>5/14/2024</a:t>
             </a:fld>
             <a:endParaRPr lang="en-US"/>
           </a:p>
